--- a/case_study_template_1_16_9_en.pptx
+++ b/case_study_template_1_16_9_en.pptx
@@ -5,19 +5,18 @@
     <p:sldMasterId id="2147483927" r:id="rId4"/>
   </p:sldMasterIdLst>
   <p:notesMasterIdLst>
-    <p:notesMasterId r:id="rId7"/>
+    <p:notesMasterId r:id="rId6"/>
   </p:notesMasterIdLst>
   <p:handoutMasterIdLst>
-    <p:handoutMasterId r:id="rId8"/>
+    <p:handoutMasterId r:id="rId7"/>
   </p:handoutMasterIdLst>
   <p:sldIdLst>
     <p:sldId id="262" r:id="rId5"/>
-    <p:sldId id="263" r:id="rId6"/>
   </p:sldIdLst>
   <p:sldSz cx="12192000" cy="6858000"/>
   <p:notesSz cx="6797675" cy="9926638"/>
   <p:custDataLst>
-    <p:tags r:id="rId9"/>
+    <p:tags r:id="rId8"/>
   </p:custDataLst>
   <p:defaultTextStyle>
     <a:defPPr>
@@ -138,7 +137,7 @@
   <pc:docChgLst>
     <pc:chgData name="vonWaldow, Ulrich" userId="c64b3fe1-2fbf-4408-adc4-30add62e991f" providerId="ADAL" clId="{1CC19420-D978-433F-80D8-28BB83E31BF5}"/>
     <pc:docChg chg="custSel addSld delSld modSld modMainMaster replTag">
-      <pc:chgData name="vonWaldow, Ulrich" userId="c64b3fe1-2fbf-4408-adc4-30add62e991f" providerId="ADAL" clId="{1CC19420-D978-433F-80D8-28BB83E31BF5}" dt="2024-09-03T13:37:42.338" v="80" actId="680"/>
+      <pc:chgData name="vonWaldow, Ulrich" userId="c64b3fe1-2fbf-4408-adc4-30add62e991f" providerId="ADAL" clId="{1CC19420-D978-433F-80D8-28BB83E31BF5}" dt="2024-09-06T08:58:51.030" v="122" actId="20577"/>
       <pc:docMkLst>
         <pc:docMk/>
       </pc:docMkLst>
@@ -157,7 +156,7 @@
         </pc:sldMkLst>
       </pc:sldChg>
       <pc:sldChg chg="addSp delSp modSp mod chgLayout">
-        <pc:chgData name="vonWaldow, Ulrich" userId="c64b3fe1-2fbf-4408-adc4-30add62e991f" providerId="ADAL" clId="{1CC19420-D978-433F-80D8-28BB83E31BF5}" dt="2024-09-03T13:36:36.755" v="77" actId="20577"/>
+        <pc:chgData name="vonWaldow, Ulrich" userId="c64b3fe1-2fbf-4408-adc4-30add62e991f" providerId="ADAL" clId="{1CC19420-D978-433F-80D8-28BB83E31BF5}" dt="2024-09-06T08:58:51.030" v="122" actId="20577"/>
         <pc:sldMkLst>
           <pc:docMk/>
           <pc:sldMk cId="1636317749" sldId="262"/>
@@ -323,7 +322,7 @@
           </ac:spMkLst>
         </pc:spChg>
         <pc:spChg chg="mod ord">
-          <ac:chgData name="vonWaldow, Ulrich" userId="c64b3fe1-2fbf-4408-adc4-30add62e991f" providerId="ADAL" clId="{1CC19420-D978-433F-80D8-28BB83E31BF5}" dt="2024-08-23T14:14:00.359" v="63" actId="6264"/>
+          <ac:chgData name="vonWaldow, Ulrich" userId="c64b3fe1-2fbf-4408-adc4-30add62e991f" providerId="ADAL" clId="{1CC19420-D978-433F-80D8-28BB83E31BF5}" dt="2024-09-06T08:58:37.299" v="98" actId="20577"/>
           <ac:spMkLst>
             <pc:docMk/>
             <pc:sldMk cId="1636317749" sldId="262"/>
@@ -331,7 +330,7 @@
           </ac:spMkLst>
         </pc:spChg>
         <pc:spChg chg="mod ord">
-          <ac:chgData name="vonWaldow, Ulrich" userId="c64b3fe1-2fbf-4408-adc4-30add62e991f" providerId="ADAL" clId="{1CC19420-D978-433F-80D8-28BB83E31BF5}" dt="2024-08-23T14:14:00.359" v="63" actId="6264"/>
+          <ac:chgData name="vonWaldow, Ulrich" userId="c64b3fe1-2fbf-4408-adc4-30add62e991f" providerId="ADAL" clId="{1CC19420-D978-433F-80D8-28BB83E31BF5}" dt="2024-09-06T08:58:43.397" v="114" actId="20577"/>
           <ac:spMkLst>
             <pc:docMk/>
             <pc:sldMk cId="1636317749" sldId="262"/>
@@ -379,7 +378,7 @@
           </ac:spMkLst>
         </pc:spChg>
         <pc:spChg chg="mod ord">
-          <ac:chgData name="vonWaldow, Ulrich" userId="c64b3fe1-2fbf-4408-adc4-30add62e991f" providerId="ADAL" clId="{1CC19420-D978-433F-80D8-28BB83E31BF5}" dt="2024-08-23T14:14:00.359" v="63" actId="6264"/>
+          <ac:chgData name="vonWaldow, Ulrich" userId="c64b3fe1-2fbf-4408-adc4-30add62e991f" providerId="ADAL" clId="{1CC19420-D978-433F-80D8-28BB83E31BF5}" dt="2024-09-06T08:58:51.030" v="122" actId="20577"/>
           <ac:spMkLst>
             <pc:docMk/>
             <pc:sldMk cId="1636317749" sldId="262"/>
@@ -563,8 +562,8 @@
           </ac:graphicFrameMkLst>
         </pc:graphicFrameChg>
       </pc:sldChg>
-      <pc:sldChg chg="new">
-        <pc:chgData name="vonWaldow, Ulrich" userId="c64b3fe1-2fbf-4408-adc4-30add62e991f" providerId="ADAL" clId="{1CC19420-D978-433F-80D8-28BB83E31BF5}" dt="2024-09-03T13:37:42.338" v="80" actId="680"/>
+      <pc:sldChg chg="new del">
+        <pc:chgData name="vonWaldow, Ulrich" userId="c64b3fe1-2fbf-4408-adc4-30add62e991f" providerId="ADAL" clId="{1CC19420-D978-433F-80D8-28BB83E31BF5}" dt="2024-09-06T08:58:28.542" v="81" actId="47"/>
         <pc:sldMkLst>
           <pc:docMk/>
           <pc:sldMk cId="1271856973" sldId="263"/>
@@ -760,7 +759,7 @@
           <a:p>
             <a:fld id="{8CADF67D-6B33-4511-8215-1BAA75E9A259}" type="datetimeFigureOut">
               <a:rPr lang="de-DE" smtClean="0"/>
-              <a:t>03.09.2024</a:t>
+              <a:t>06.09.2024</a:t>
             </a:fld>
             <a:endParaRPr lang="de-DE"/>
           </a:p>
@@ -937,7 +936,7 @@
           <a:p>
             <a:fld id="{29BB4B0D-3BE5-4B36-92D1-1D1058870271}" type="datetimeFigureOut">
               <a:rPr lang="de-DE" smtClean="0"/>
-              <a:t>03.09.2024</a:t>
+              <a:t>06.09.2024</a:t>
             </a:fld>
             <a:endParaRPr lang="de-DE"/>
           </a:p>
@@ -4584,10 +4583,9 @@
           <a:lstStyle/>
           <a:p>
             <a:r>
-              <a:rPr lang="en-US" dirty="0" err="1"/>
-              <a:t>Lösungskonzept</a:t>
+              <a:rPr lang="en-US" dirty="0"/>
+              <a:t>Solution concept</a:t>
             </a:r>
-            <a:endParaRPr lang="en-US" dirty="0"/>
           </a:p>
         </p:txBody>
       </p:sp>
@@ -4618,10 +4616,9 @@
           <a:lstStyle/>
           <a:p>
             <a:r>
-              <a:rPr lang="en-US" dirty="0" err="1"/>
-              <a:t>Ausgangssituation</a:t>
+              <a:rPr lang="en-US" dirty="0"/>
+              <a:t>Initial situation</a:t>
             </a:r>
-            <a:endParaRPr lang="en-US" dirty="0"/>
           </a:p>
         </p:txBody>
       </p:sp>
@@ -4718,9 +4715,10 @@
           <a:lstStyle/>
           <a:p>
             <a:r>
-              <a:rPr lang="en-US" dirty="0"/>
-              <a:t>Branche</a:t>
+              <a:rPr lang="en-US"/>
+              <a:t>Industry</a:t>
             </a:r>
+            <a:endParaRPr lang="en-US" dirty="0"/>
           </a:p>
         </p:txBody>
       </p:sp>
@@ -5058,436 +5056,6 @@
     <p:extLst>
       <p:ext uri="{BB962C8B-B14F-4D97-AF65-F5344CB8AC3E}">
         <p14:creationId xmlns:p14="http://schemas.microsoft.com/office/powerpoint/2010/main" val="1636317749"/>
-      </p:ext>
-    </p:extLst>
-  </p:cSld>
-  <p:clrMapOvr>
-    <a:masterClrMapping/>
-  </p:clrMapOvr>
-</p:sld>
-</file>
-
-<file path=ppt/slides/slide2.xml><?xml version="1.0" encoding="utf-8"?>
-<p:sld xmlns:a="http://schemas.openxmlformats.org/drawingml/2006/main" xmlns:r="http://schemas.openxmlformats.org/officeDocument/2006/relationships" xmlns:p="http://schemas.openxmlformats.org/presentationml/2006/main">
-  <p:cSld>
-    <p:spTree>
-      <p:nvGrpSpPr>
-        <p:cNvPr id="1" name=""/>
-        <p:cNvGrpSpPr/>
-        <p:nvPr/>
-      </p:nvGrpSpPr>
-      <p:grpSpPr>
-        <a:xfrm>
-          <a:off x="0" y="0"/>
-          <a:ext cx="0" cy="0"/>
-          <a:chOff x="0" y="0"/>
-          <a:chExt cx="0" cy="0"/>
-        </a:xfrm>
-      </p:grpSpPr>
-      <p:sp>
-        <p:nvSpPr>
-          <p:cNvPr id="2" name="Titel 1">
-            <a:extLst>
-              <a:ext uri="{FF2B5EF4-FFF2-40B4-BE49-F238E27FC236}">
-                <a16:creationId xmlns:a16="http://schemas.microsoft.com/office/drawing/2014/main" id="{DC067686-AA7B-F76F-556A-792CCD311CBC}"/>
-              </a:ext>
-            </a:extLst>
-          </p:cNvPr>
-          <p:cNvSpPr>
-            <a:spLocks noGrp="1"/>
-          </p:cNvSpPr>
-          <p:nvPr>
-            <p:ph type="title"/>
-          </p:nvPr>
-        </p:nvSpPr>
-        <p:spPr/>
-        <p:txBody>
-          <a:bodyPr/>
-          <a:lstStyle/>
-          <a:p>
-            <a:endParaRPr lang="en-US"/>
-          </a:p>
-        </p:txBody>
-      </p:sp>
-      <p:sp>
-        <p:nvSpPr>
-          <p:cNvPr id="3" name="Textplatzhalter 2">
-            <a:extLst>
-              <a:ext uri="{FF2B5EF4-FFF2-40B4-BE49-F238E27FC236}">
-                <a16:creationId xmlns:a16="http://schemas.microsoft.com/office/drawing/2014/main" id="{DB650A52-DD09-4ABC-B992-D4C76D748345}"/>
-              </a:ext>
-            </a:extLst>
-          </p:cNvPr>
-          <p:cNvSpPr>
-            <a:spLocks noGrp="1"/>
-          </p:cNvSpPr>
-          <p:nvPr>
-            <p:ph type="body" sz="quarter" idx="11"/>
-          </p:nvPr>
-        </p:nvSpPr>
-        <p:spPr/>
-        <p:txBody>
-          <a:bodyPr/>
-          <a:lstStyle/>
-          <a:p>
-            <a:endParaRPr lang="en-US"/>
-          </a:p>
-        </p:txBody>
-      </p:sp>
-      <p:sp>
-        <p:nvSpPr>
-          <p:cNvPr id="4" name="Textplatzhalter 3">
-            <a:extLst>
-              <a:ext uri="{FF2B5EF4-FFF2-40B4-BE49-F238E27FC236}">
-                <a16:creationId xmlns:a16="http://schemas.microsoft.com/office/drawing/2014/main" id="{48926B58-6DE8-6BDD-0F30-03017B1BD68F}"/>
-              </a:ext>
-            </a:extLst>
-          </p:cNvPr>
-          <p:cNvSpPr>
-            <a:spLocks noGrp="1"/>
-          </p:cNvSpPr>
-          <p:nvPr>
-            <p:ph type="body" sz="quarter" idx="10"/>
-          </p:nvPr>
-        </p:nvSpPr>
-        <p:spPr/>
-        <p:txBody>
-          <a:bodyPr/>
-          <a:lstStyle/>
-          <a:p>
-            <a:endParaRPr lang="en-US"/>
-          </a:p>
-        </p:txBody>
-      </p:sp>
-      <p:sp>
-        <p:nvSpPr>
-          <p:cNvPr id="5" name="Textplatzhalter 4">
-            <a:extLst>
-              <a:ext uri="{FF2B5EF4-FFF2-40B4-BE49-F238E27FC236}">
-                <a16:creationId xmlns:a16="http://schemas.microsoft.com/office/drawing/2014/main" id="{96571D71-5EC4-35E8-D3D1-8121406BF90F}"/>
-              </a:ext>
-            </a:extLst>
-          </p:cNvPr>
-          <p:cNvSpPr>
-            <a:spLocks noGrp="1"/>
-          </p:cNvSpPr>
-          <p:nvPr>
-            <p:ph type="body" sz="quarter" idx="13"/>
-          </p:nvPr>
-        </p:nvSpPr>
-        <p:spPr/>
-        <p:txBody>
-          <a:bodyPr/>
-          <a:lstStyle/>
-          <a:p>
-            <a:endParaRPr lang="en-US"/>
-          </a:p>
-        </p:txBody>
-      </p:sp>
-      <p:sp>
-        <p:nvSpPr>
-          <p:cNvPr id="6" name="Textplatzhalter 5">
-            <a:extLst>
-              <a:ext uri="{FF2B5EF4-FFF2-40B4-BE49-F238E27FC236}">
-                <a16:creationId xmlns:a16="http://schemas.microsoft.com/office/drawing/2014/main" id="{D1DA1CA7-0DA7-0E2E-0414-6BE628C7B420}"/>
-              </a:ext>
-            </a:extLst>
-          </p:cNvPr>
-          <p:cNvSpPr>
-            <a:spLocks noGrp="1"/>
-          </p:cNvSpPr>
-          <p:nvPr>
-            <p:ph type="body" sz="quarter" idx="20"/>
-          </p:nvPr>
-        </p:nvSpPr>
-        <p:spPr/>
-        <p:txBody>
-          <a:bodyPr/>
-          <a:lstStyle/>
-          <a:p>
-            <a:endParaRPr lang="en-US" dirty="0"/>
-          </a:p>
-        </p:txBody>
-      </p:sp>
-      <p:sp>
-        <p:nvSpPr>
-          <p:cNvPr id="7" name="Textplatzhalter 6">
-            <a:extLst>
-              <a:ext uri="{FF2B5EF4-FFF2-40B4-BE49-F238E27FC236}">
-                <a16:creationId xmlns:a16="http://schemas.microsoft.com/office/drawing/2014/main" id="{640234A4-8FB4-1590-AE8E-0F9F14F13180}"/>
-              </a:ext>
-            </a:extLst>
-          </p:cNvPr>
-          <p:cNvSpPr>
-            <a:spLocks noGrp="1"/>
-          </p:cNvSpPr>
-          <p:nvPr>
-            <p:ph type="body" sz="quarter" idx="19"/>
-          </p:nvPr>
-        </p:nvSpPr>
-        <p:spPr/>
-        <p:txBody>
-          <a:bodyPr/>
-          <a:lstStyle/>
-          <a:p>
-            <a:endParaRPr lang="en-US"/>
-          </a:p>
-        </p:txBody>
-      </p:sp>
-      <p:sp>
-        <p:nvSpPr>
-          <p:cNvPr id="8" name="Textplatzhalter 7">
-            <a:extLst>
-              <a:ext uri="{FF2B5EF4-FFF2-40B4-BE49-F238E27FC236}">
-                <a16:creationId xmlns:a16="http://schemas.microsoft.com/office/drawing/2014/main" id="{E07CE3DA-2E3F-08D5-6296-A822FD296A33}"/>
-              </a:ext>
-            </a:extLst>
-          </p:cNvPr>
-          <p:cNvSpPr>
-            <a:spLocks noGrp="1"/>
-          </p:cNvSpPr>
-          <p:nvPr>
-            <p:ph type="body" sz="quarter" idx="15"/>
-          </p:nvPr>
-        </p:nvSpPr>
-        <p:spPr/>
-        <p:txBody>
-          <a:bodyPr/>
-          <a:lstStyle/>
-          <a:p>
-            <a:endParaRPr lang="en-US"/>
-          </a:p>
-        </p:txBody>
-      </p:sp>
-      <p:sp>
-        <p:nvSpPr>
-          <p:cNvPr id="9" name="Textplatzhalter 8">
-            <a:extLst>
-              <a:ext uri="{FF2B5EF4-FFF2-40B4-BE49-F238E27FC236}">
-                <a16:creationId xmlns:a16="http://schemas.microsoft.com/office/drawing/2014/main" id="{1714F31F-1C1B-7CC4-09EC-4320CEF690B9}"/>
-              </a:ext>
-            </a:extLst>
-          </p:cNvPr>
-          <p:cNvSpPr>
-            <a:spLocks noGrp="1"/>
-          </p:cNvSpPr>
-          <p:nvPr>
-            <p:ph type="body" sz="quarter" idx="16"/>
-          </p:nvPr>
-        </p:nvSpPr>
-        <p:spPr/>
-        <p:txBody>
-          <a:bodyPr/>
-          <a:lstStyle/>
-          <a:p>
-            <a:endParaRPr lang="en-US"/>
-          </a:p>
-        </p:txBody>
-      </p:sp>
-      <p:sp>
-        <p:nvSpPr>
-          <p:cNvPr id="10" name="Textplatzhalter 9">
-            <a:extLst>
-              <a:ext uri="{FF2B5EF4-FFF2-40B4-BE49-F238E27FC236}">
-                <a16:creationId xmlns:a16="http://schemas.microsoft.com/office/drawing/2014/main" id="{587A065F-1F4F-D304-28A8-4FD7B80DE50C}"/>
-              </a:ext>
-            </a:extLst>
-          </p:cNvPr>
-          <p:cNvSpPr>
-            <a:spLocks noGrp="1"/>
-          </p:cNvSpPr>
-          <p:nvPr>
-            <p:ph type="body" sz="quarter" idx="17"/>
-          </p:nvPr>
-        </p:nvSpPr>
-        <p:spPr/>
-        <p:txBody>
-          <a:bodyPr/>
-          <a:lstStyle/>
-          <a:p>
-            <a:endParaRPr lang="en-US"/>
-          </a:p>
-        </p:txBody>
-      </p:sp>
-      <p:sp>
-        <p:nvSpPr>
-          <p:cNvPr id="11" name="Textplatzhalter 10">
-            <a:extLst>
-              <a:ext uri="{FF2B5EF4-FFF2-40B4-BE49-F238E27FC236}">
-                <a16:creationId xmlns:a16="http://schemas.microsoft.com/office/drawing/2014/main" id="{60E61229-C2C5-E95F-40D1-F3AA24E3D6DF}"/>
-              </a:ext>
-            </a:extLst>
-          </p:cNvPr>
-          <p:cNvSpPr>
-            <a:spLocks noGrp="1"/>
-          </p:cNvSpPr>
-          <p:nvPr>
-            <p:ph type="body" sz="quarter" idx="18"/>
-          </p:nvPr>
-        </p:nvSpPr>
-        <p:spPr/>
-        <p:txBody>
-          <a:bodyPr/>
-          <a:lstStyle/>
-          <a:p>
-            <a:endParaRPr lang="en-US"/>
-          </a:p>
-        </p:txBody>
-      </p:sp>
-      <p:sp>
-        <p:nvSpPr>
-          <p:cNvPr id="12" name="Textplatzhalter 11">
-            <a:extLst>
-              <a:ext uri="{FF2B5EF4-FFF2-40B4-BE49-F238E27FC236}">
-                <a16:creationId xmlns:a16="http://schemas.microsoft.com/office/drawing/2014/main" id="{E3E5786E-2766-752D-3DD5-0AB232972C4F}"/>
-              </a:ext>
-            </a:extLst>
-          </p:cNvPr>
-          <p:cNvSpPr>
-            <a:spLocks noGrp="1"/>
-          </p:cNvSpPr>
-          <p:nvPr>
-            <p:ph type="body" sz="quarter" idx="28"/>
-          </p:nvPr>
-        </p:nvSpPr>
-        <p:spPr/>
-        <p:txBody>
-          <a:bodyPr/>
-          <a:lstStyle/>
-          <a:p>
-            <a:endParaRPr lang="en-US"/>
-          </a:p>
-        </p:txBody>
-      </p:sp>
-      <p:sp>
-        <p:nvSpPr>
-          <p:cNvPr id="13" name="Textplatzhalter 12">
-            <a:extLst>
-              <a:ext uri="{FF2B5EF4-FFF2-40B4-BE49-F238E27FC236}">
-                <a16:creationId xmlns:a16="http://schemas.microsoft.com/office/drawing/2014/main" id="{81A1FA81-00A5-4A10-151E-041182C425A8}"/>
-              </a:ext>
-            </a:extLst>
-          </p:cNvPr>
-          <p:cNvSpPr>
-            <a:spLocks noGrp="1"/>
-          </p:cNvSpPr>
-          <p:nvPr>
-            <p:ph type="body" sz="quarter" idx="29"/>
-          </p:nvPr>
-        </p:nvSpPr>
-        <p:spPr/>
-        <p:txBody>
-          <a:bodyPr/>
-          <a:lstStyle/>
-          <a:p>
-            <a:endParaRPr lang="en-US"/>
-          </a:p>
-        </p:txBody>
-      </p:sp>
-      <p:sp>
-        <p:nvSpPr>
-          <p:cNvPr id="14" name="Textplatzhalter 13">
-            <a:extLst>
-              <a:ext uri="{FF2B5EF4-FFF2-40B4-BE49-F238E27FC236}">
-                <a16:creationId xmlns:a16="http://schemas.microsoft.com/office/drawing/2014/main" id="{9C656A4C-C23B-1519-4EBC-251D925C48C9}"/>
-              </a:ext>
-            </a:extLst>
-          </p:cNvPr>
-          <p:cNvSpPr>
-            <a:spLocks noGrp="1"/>
-          </p:cNvSpPr>
-          <p:nvPr>
-            <p:ph type="body" sz="quarter" idx="30"/>
-          </p:nvPr>
-        </p:nvSpPr>
-        <p:spPr/>
-        <p:txBody>
-          <a:bodyPr/>
-          <a:lstStyle/>
-          <a:p>
-            <a:endParaRPr lang="en-US"/>
-          </a:p>
-        </p:txBody>
-      </p:sp>
-      <p:sp>
-        <p:nvSpPr>
-          <p:cNvPr id="15" name="Textplatzhalter 14">
-            <a:extLst>
-              <a:ext uri="{FF2B5EF4-FFF2-40B4-BE49-F238E27FC236}">
-                <a16:creationId xmlns:a16="http://schemas.microsoft.com/office/drawing/2014/main" id="{F44341E0-8D88-FCF6-3283-A9620DF4F040}"/>
-              </a:ext>
-            </a:extLst>
-          </p:cNvPr>
-          <p:cNvSpPr>
-            <a:spLocks noGrp="1"/>
-          </p:cNvSpPr>
-          <p:nvPr>
-            <p:ph type="body" sz="quarter" idx="31"/>
-          </p:nvPr>
-        </p:nvSpPr>
-        <p:spPr/>
-        <p:txBody>
-          <a:bodyPr/>
-          <a:lstStyle/>
-          <a:p>
-            <a:endParaRPr lang="en-US"/>
-          </a:p>
-        </p:txBody>
-      </p:sp>
-      <p:sp>
-        <p:nvSpPr>
-          <p:cNvPr id="16" name="Textplatzhalter 15">
-            <a:extLst>
-              <a:ext uri="{FF2B5EF4-FFF2-40B4-BE49-F238E27FC236}">
-                <a16:creationId xmlns:a16="http://schemas.microsoft.com/office/drawing/2014/main" id="{6A9193E2-A61F-3C10-E47B-4EEF0303A36B}"/>
-              </a:ext>
-            </a:extLst>
-          </p:cNvPr>
-          <p:cNvSpPr>
-            <a:spLocks noGrp="1"/>
-          </p:cNvSpPr>
-          <p:nvPr>
-            <p:ph type="body" sz="quarter" idx="32"/>
-          </p:nvPr>
-        </p:nvSpPr>
-        <p:spPr/>
-        <p:txBody>
-          <a:bodyPr/>
-          <a:lstStyle/>
-          <a:p>
-            <a:endParaRPr lang="en-US"/>
-          </a:p>
-        </p:txBody>
-      </p:sp>
-      <p:sp>
-        <p:nvSpPr>
-          <p:cNvPr id="17" name="Textplatzhalter 16">
-            <a:extLst>
-              <a:ext uri="{FF2B5EF4-FFF2-40B4-BE49-F238E27FC236}">
-                <a16:creationId xmlns:a16="http://schemas.microsoft.com/office/drawing/2014/main" id="{BB2CEE4D-F84B-471E-CEBA-2D0025B04990}"/>
-              </a:ext>
-            </a:extLst>
-          </p:cNvPr>
-          <p:cNvSpPr>
-            <a:spLocks noGrp="1"/>
-          </p:cNvSpPr>
-          <p:nvPr>
-            <p:ph type="body" sz="quarter" idx="33"/>
-          </p:nvPr>
-        </p:nvSpPr>
-        <p:spPr/>
-        <p:txBody>
-          <a:bodyPr/>
-          <a:lstStyle/>
-          <a:p>
-            <a:endParaRPr lang="en-US"/>
-          </a:p>
-        </p:txBody>
-      </p:sp>
-    </p:spTree>
-    <p:extLst>
-      <p:ext uri="{BB962C8B-B14F-4D97-AF65-F5344CB8AC3E}">
-        <p14:creationId xmlns:p14="http://schemas.microsoft.com/office/powerpoint/2010/main" val="1271856973"/>
       </p:ext>
     </p:extLst>
   </p:cSld>
@@ -6476,36 +6044,12 @@
 </file>
 
 <file path=customXml/item1.xml><?xml version="1.0" encoding="utf-8"?>
-<p:properties xmlns:p="http://schemas.microsoft.com/office/2006/metadata/properties" xmlns:xsi="http://www.w3.org/2001/XMLSchema-instance" xmlns:pc="http://schemas.microsoft.com/office/infopath/2007/PartnerControls">
-  <documentManagement>
-    <SharedWithUsers xmlns="3fb8dc1b-9d59-4105-bc07-f1f968f5154f">
-      <UserInfo>
-        <DisplayName>Budelmann, Enno</DisplayName>
-        <AccountId>12</AccountId>
-        <AccountType/>
-      </UserInfo>
-      <UserInfo>
-        <DisplayName>SharingLinks.3068ac1d-a568-467f-a8c0-63ecd7162cbd.OrganizationEdit.ce5b78f9-ebba-4333-b65e-3f12b5be2b22</DisplayName>
-        <AccountId>40</AccountId>
-        <AccountType/>
-      </UserInfo>
-      <UserInfo>
-        <DisplayName>Junker, Sebastian</DisplayName>
-        <AccountId>15</AccountId>
-        <AccountType/>
-      </UserInfo>
-      <UserInfo>
-        <DisplayName>Bunk, Justus</DisplayName>
-        <AccountId>201</AccountId>
-        <AccountType/>
-      </UserInfo>
-    </SharedWithUsers>
-    <lcf76f155ced4ddcb4097134ff3c332f xmlns="5b6c06b5-1db8-4c81-aedd-b1bde2b8bfd2">
-      <Terms xmlns="http://schemas.microsoft.com/office/infopath/2007/PartnerControls"/>
-    </lcf76f155ced4ddcb4097134ff3c332f>
-    <TaxCatchAll xmlns="3fb8dc1b-9d59-4105-bc07-f1f968f5154f" xsi:nil="true"/>
-  </documentManagement>
-</p:properties>
+<?mso-contentType ?>
+<FormTemplates xmlns="http://schemas.microsoft.com/sharepoint/v3/contenttype/forms">
+  <Display>DocumentLibraryForm</Display>
+  <Edit>DocumentLibraryForm</Edit>
+  <New>DocumentLibraryForm</New>
+</FormTemplates>
 </file>
 
 <file path=customXml/item2.xml><?xml version="1.0" encoding="utf-8"?>
@@ -6764,27 +6308,42 @@
 </file>
 
 <file path=customXml/item3.xml><?xml version="1.0" encoding="utf-8"?>
-<?mso-contentType ?>
-<FormTemplates xmlns="http://schemas.microsoft.com/sharepoint/v3/contenttype/forms">
-  <Display>DocumentLibraryForm</Display>
-  <Edit>DocumentLibraryForm</Edit>
-  <New>DocumentLibraryForm</New>
-</FormTemplates>
+<p:properties xmlns:p="http://schemas.microsoft.com/office/2006/metadata/properties" xmlns:xsi="http://www.w3.org/2001/XMLSchema-instance" xmlns:pc="http://schemas.microsoft.com/office/infopath/2007/PartnerControls">
+  <documentManagement>
+    <SharedWithUsers xmlns="3fb8dc1b-9d59-4105-bc07-f1f968f5154f">
+      <UserInfo>
+        <DisplayName>Budelmann, Enno</DisplayName>
+        <AccountId>12</AccountId>
+        <AccountType/>
+      </UserInfo>
+      <UserInfo>
+        <DisplayName>SharingLinks.3068ac1d-a568-467f-a8c0-63ecd7162cbd.OrganizationEdit.ce5b78f9-ebba-4333-b65e-3f12b5be2b22</DisplayName>
+        <AccountId>40</AccountId>
+        <AccountType/>
+      </UserInfo>
+      <UserInfo>
+        <DisplayName>Junker, Sebastian</DisplayName>
+        <AccountId>15</AccountId>
+        <AccountType/>
+      </UserInfo>
+      <UserInfo>
+        <DisplayName>Bunk, Justus</DisplayName>
+        <AccountId>201</AccountId>
+        <AccountType/>
+      </UserInfo>
+    </SharedWithUsers>
+    <lcf76f155ced4ddcb4097134ff3c332f xmlns="5b6c06b5-1db8-4c81-aedd-b1bde2b8bfd2">
+      <Terms xmlns="http://schemas.microsoft.com/office/infopath/2007/PartnerControls"/>
+    </lcf76f155ced4ddcb4097134ff3c332f>
+    <TaxCatchAll xmlns="3fb8dc1b-9d59-4105-bc07-f1f968f5154f" xsi:nil="true"/>
+  </documentManagement>
+</p:properties>
 </file>
 
 <file path=customXml/itemProps1.xml><?xml version="1.0" encoding="utf-8"?>
-<ds:datastoreItem xmlns:ds="http://schemas.openxmlformats.org/officeDocument/2006/customXml" ds:itemID="{3834EEC2-295B-443A-8029-DF87F749AE1B}">
+<ds:datastoreItem xmlns:ds="http://schemas.openxmlformats.org/officeDocument/2006/customXml" ds:itemID="{A76FA841-F04D-4D27-A487-F98BD028EA91}">
   <ds:schemaRefs>
-    <ds:schemaRef ds:uri="3fb8dc1b-9d59-4105-bc07-f1f968f5154f"/>
-    <ds:schemaRef ds:uri="5b6c06b5-1db8-4c81-aedd-b1bde2b8bfd2"/>
-    <ds:schemaRef ds:uri="http://purl.org/dc/dcmitype/"/>
-    <ds:schemaRef ds:uri="http://purl.org/dc/elements/1.1/"/>
-    <ds:schemaRef ds:uri="http://purl.org/dc/terms/"/>
-    <ds:schemaRef ds:uri="http://schemas.microsoft.com/office/2006/documentManagement/types"/>
-    <ds:schemaRef ds:uri="http://schemas.microsoft.com/office/2006/metadata/properties"/>
-    <ds:schemaRef ds:uri="http://schemas.microsoft.com/office/infopath/2007/PartnerControls"/>
-    <ds:schemaRef ds:uri="http://schemas.openxmlformats.org/package/2006/metadata/core-properties"/>
-    <ds:schemaRef ds:uri="http://www.w3.org/XML/1998/namespace"/>
+    <ds:schemaRef ds:uri="http://schemas.microsoft.com/sharepoint/v3/contenttype/forms"/>
   </ds:schemaRefs>
 </ds:datastoreItem>
 </file>
@@ -6809,9 +6368,18 @@
 </file>
 
 <file path=customXml/itemProps3.xml><?xml version="1.0" encoding="utf-8"?>
-<ds:datastoreItem xmlns:ds="http://schemas.openxmlformats.org/officeDocument/2006/customXml" ds:itemID="{A76FA841-F04D-4D27-A487-F98BD028EA91}">
+<ds:datastoreItem xmlns:ds="http://schemas.openxmlformats.org/officeDocument/2006/customXml" ds:itemID="{3834EEC2-295B-443A-8029-DF87F749AE1B}">
   <ds:schemaRefs>
-    <ds:schemaRef ds:uri="http://schemas.microsoft.com/sharepoint/v3/contenttype/forms"/>
+    <ds:schemaRef ds:uri="3fb8dc1b-9d59-4105-bc07-f1f968f5154f"/>
+    <ds:schemaRef ds:uri="5b6c06b5-1db8-4c81-aedd-b1bde2b8bfd2"/>
+    <ds:schemaRef ds:uri="http://purl.org/dc/dcmitype/"/>
+    <ds:schemaRef ds:uri="http://purl.org/dc/elements/1.1/"/>
+    <ds:schemaRef ds:uri="http://purl.org/dc/terms/"/>
+    <ds:schemaRef ds:uri="http://schemas.microsoft.com/office/2006/documentManagement/types"/>
+    <ds:schemaRef ds:uri="http://schemas.microsoft.com/office/2006/metadata/properties"/>
+    <ds:schemaRef ds:uri="http://schemas.microsoft.com/office/infopath/2007/PartnerControls"/>
+    <ds:schemaRef ds:uri="http://schemas.openxmlformats.org/package/2006/metadata/core-properties"/>
+    <ds:schemaRef ds:uri="http://www.w3.org/XML/1998/namespace"/>
   </ds:schemaRefs>
 </ds:datastoreItem>
 </file>
--- a/case_study_template_1_16_9_en.pptx
+++ b/case_study_template_1_16_9_en.pptx
@@ -137,7 +137,7 @@
   <pc:docChgLst>
     <pc:chgData name="vonWaldow, Ulrich" userId="c64b3fe1-2fbf-4408-adc4-30add62e991f" providerId="ADAL" clId="{1CC19420-D978-433F-80D8-28BB83E31BF5}"/>
     <pc:docChg chg="custSel addSld delSld modSld modMainMaster replTag">
-      <pc:chgData name="vonWaldow, Ulrich" userId="c64b3fe1-2fbf-4408-adc4-30add62e991f" providerId="ADAL" clId="{1CC19420-D978-433F-80D8-28BB83E31BF5}" dt="2024-09-06T08:58:51.030" v="122" actId="20577"/>
+      <pc:chgData name="vonWaldow, Ulrich" userId="c64b3fe1-2fbf-4408-adc4-30add62e991f" providerId="ADAL" clId="{1CC19420-D978-433F-80D8-28BB83E31BF5}" dt="2024-09-09T12:30:46.007" v="123"/>
       <pc:docMkLst>
         <pc:docMk/>
       </pc:docMkLst>
@@ -156,7 +156,7 @@
         </pc:sldMkLst>
       </pc:sldChg>
       <pc:sldChg chg="addSp delSp modSp mod chgLayout">
-        <pc:chgData name="vonWaldow, Ulrich" userId="c64b3fe1-2fbf-4408-adc4-30add62e991f" providerId="ADAL" clId="{1CC19420-D978-433F-80D8-28BB83E31BF5}" dt="2024-09-06T08:58:51.030" v="122" actId="20577"/>
+        <pc:chgData name="vonWaldow, Ulrich" userId="c64b3fe1-2fbf-4408-adc4-30add62e991f" providerId="ADAL" clId="{1CC19420-D978-433F-80D8-28BB83E31BF5}" dt="2024-09-09T12:30:46.007" v="123"/>
         <pc:sldMkLst>
           <pc:docMk/>
           <pc:sldMk cId="1636317749" sldId="262"/>
@@ -378,7 +378,7 @@
           </ac:spMkLst>
         </pc:spChg>
         <pc:spChg chg="mod ord">
-          <ac:chgData name="vonWaldow, Ulrich" userId="c64b3fe1-2fbf-4408-adc4-30add62e991f" providerId="ADAL" clId="{1CC19420-D978-433F-80D8-28BB83E31BF5}" dt="2024-09-06T08:58:51.030" v="122" actId="20577"/>
+          <ac:chgData name="vonWaldow, Ulrich" userId="c64b3fe1-2fbf-4408-adc4-30add62e991f" providerId="ADAL" clId="{1CC19420-D978-433F-80D8-28BB83E31BF5}" dt="2024-09-09T12:30:46.007" v="123"/>
           <ac:spMkLst>
             <pc:docMk/>
             <pc:sldMk cId="1636317749" sldId="262"/>
@@ -759,7 +759,7 @@
           <a:p>
             <a:fld id="{8CADF67D-6B33-4511-8215-1BAA75E9A259}" type="datetimeFigureOut">
               <a:rPr lang="de-DE" smtClean="0"/>
-              <a:t>06.09.2024</a:t>
+              <a:t>09.09.2024</a:t>
             </a:fld>
             <a:endParaRPr lang="de-DE"/>
           </a:p>
@@ -936,7 +936,7 @@
           <a:p>
             <a:fld id="{29BB4B0D-3BE5-4B36-92D1-1D1058870271}" type="datetimeFigureOut">
               <a:rPr lang="de-DE" smtClean="0"/>
-              <a:t>06.09.2024</a:t>
+              <a:t>09.09.2024</a:t>
             </a:fld>
             <a:endParaRPr lang="de-DE"/>
           </a:p>
@@ -4716,7 +4716,7 @@
           <a:p>
             <a:r>
               <a:rPr lang="en-US"/>
-              <a:t>Industry</a:t>
+              <a:t>Industry | Company description</a:t>
             </a:r>
             <a:endParaRPr lang="en-US" dirty="0"/>
           </a:p>
@@ -6044,12 +6044,36 @@
 </file>
 
 <file path=customXml/item1.xml><?xml version="1.0" encoding="utf-8"?>
-<?mso-contentType ?>
-<FormTemplates xmlns="http://schemas.microsoft.com/sharepoint/v3/contenttype/forms">
-  <Display>DocumentLibraryForm</Display>
-  <Edit>DocumentLibraryForm</Edit>
-  <New>DocumentLibraryForm</New>
-</FormTemplates>
+<p:properties xmlns:p="http://schemas.microsoft.com/office/2006/metadata/properties" xmlns:xsi="http://www.w3.org/2001/XMLSchema-instance" xmlns:pc="http://schemas.microsoft.com/office/infopath/2007/PartnerControls">
+  <documentManagement>
+    <SharedWithUsers xmlns="3fb8dc1b-9d59-4105-bc07-f1f968f5154f">
+      <UserInfo>
+        <DisplayName>Budelmann, Enno</DisplayName>
+        <AccountId>12</AccountId>
+        <AccountType/>
+      </UserInfo>
+      <UserInfo>
+        <DisplayName>SharingLinks.3068ac1d-a568-467f-a8c0-63ecd7162cbd.OrganizationEdit.ce5b78f9-ebba-4333-b65e-3f12b5be2b22</DisplayName>
+        <AccountId>40</AccountId>
+        <AccountType/>
+      </UserInfo>
+      <UserInfo>
+        <DisplayName>Junker, Sebastian</DisplayName>
+        <AccountId>15</AccountId>
+        <AccountType/>
+      </UserInfo>
+      <UserInfo>
+        <DisplayName>Bunk, Justus</DisplayName>
+        <AccountId>201</AccountId>
+        <AccountType/>
+      </UserInfo>
+    </SharedWithUsers>
+    <lcf76f155ced4ddcb4097134ff3c332f xmlns="5b6c06b5-1db8-4c81-aedd-b1bde2b8bfd2">
+      <Terms xmlns="http://schemas.microsoft.com/office/infopath/2007/PartnerControls"/>
+    </lcf76f155ced4ddcb4097134ff3c332f>
+    <TaxCatchAll xmlns="3fb8dc1b-9d59-4105-bc07-f1f968f5154f" xsi:nil="true"/>
+  </documentManagement>
+</p:properties>
 </file>
 
 <file path=customXml/item2.xml><?xml version="1.0" encoding="utf-8"?>
@@ -6308,42 +6332,27 @@
 </file>
 
 <file path=customXml/item3.xml><?xml version="1.0" encoding="utf-8"?>
-<p:properties xmlns:p="http://schemas.microsoft.com/office/2006/metadata/properties" xmlns:xsi="http://www.w3.org/2001/XMLSchema-instance" xmlns:pc="http://schemas.microsoft.com/office/infopath/2007/PartnerControls">
-  <documentManagement>
-    <SharedWithUsers xmlns="3fb8dc1b-9d59-4105-bc07-f1f968f5154f">
-      <UserInfo>
-        <DisplayName>Budelmann, Enno</DisplayName>
-        <AccountId>12</AccountId>
-        <AccountType/>
-      </UserInfo>
-      <UserInfo>
-        <DisplayName>SharingLinks.3068ac1d-a568-467f-a8c0-63ecd7162cbd.OrganizationEdit.ce5b78f9-ebba-4333-b65e-3f12b5be2b22</DisplayName>
-        <AccountId>40</AccountId>
-        <AccountType/>
-      </UserInfo>
-      <UserInfo>
-        <DisplayName>Junker, Sebastian</DisplayName>
-        <AccountId>15</AccountId>
-        <AccountType/>
-      </UserInfo>
-      <UserInfo>
-        <DisplayName>Bunk, Justus</DisplayName>
-        <AccountId>201</AccountId>
-        <AccountType/>
-      </UserInfo>
-    </SharedWithUsers>
-    <lcf76f155ced4ddcb4097134ff3c332f xmlns="5b6c06b5-1db8-4c81-aedd-b1bde2b8bfd2">
-      <Terms xmlns="http://schemas.microsoft.com/office/infopath/2007/PartnerControls"/>
-    </lcf76f155ced4ddcb4097134ff3c332f>
-    <TaxCatchAll xmlns="3fb8dc1b-9d59-4105-bc07-f1f968f5154f" xsi:nil="true"/>
-  </documentManagement>
-</p:properties>
+<?mso-contentType ?>
+<FormTemplates xmlns="http://schemas.microsoft.com/sharepoint/v3/contenttype/forms">
+  <Display>DocumentLibraryForm</Display>
+  <Edit>DocumentLibraryForm</Edit>
+  <New>DocumentLibraryForm</New>
+</FormTemplates>
 </file>
 
 <file path=customXml/itemProps1.xml><?xml version="1.0" encoding="utf-8"?>
-<ds:datastoreItem xmlns:ds="http://schemas.openxmlformats.org/officeDocument/2006/customXml" ds:itemID="{A76FA841-F04D-4D27-A487-F98BD028EA91}">
+<ds:datastoreItem xmlns:ds="http://schemas.openxmlformats.org/officeDocument/2006/customXml" ds:itemID="{3834EEC2-295B-443A-8029-DF87F749AE1B}">
   <ds:schemaRefs>
-    <ds:schemaRef ds:uri="http://schemas.microsoft.com/sharepoint/v3/contenttype/forms"/>
+    <ds:schemaRef ds:uri="3fb8dc1b-9d59-4105-bc07-f1f968f5154f"/>
+    <ds:schemaRef ds:uri="5b6c06b5-1db8-4c81-aedd-b1bde2b8bfd2"/>
+    <ds:schemaRef ds:uri="http://purl.org/dc/dcmitype/"/>
+    <ds:schemaRef ds:uri="http://purl.org/dc/elements/1.1/"/>
+    <ds:schemaRef ds:uri="http://purl.org/dc/terms/"/>
+    <ds:schemaRef ds:uri="http://schemas.microsoft.com/office/2006/documentManagement/types"/>
+    <ds:schemaRef ds:uri="http://schemas.microsoft.com/office/2006/metadata/properties"/>
+    <ds:schemaRef ds:uri="http://schemas.microsoft.com/office/infopath/2007/PartnerControls"/>
+    <ds:schemaRef ds:uri="http://schemas.openxmlformats.org/package/2006/metadata/core-properties"/>
+    <ds:schemaRef ds:uri="http://www.w3.org/XML/1998/namespace"/>
   </ds:schemaRefs>
 </ds:datastoreItem>
 </file>
@@ -6368,18 +6377,9 @@
 </file>
 
 <file path=customXml/itemProps3.xml><?xml version="1.0" encoding="utf-8"?>
-<ds:datastoreItem xmlns:ds="http://schemas.openxmlformats.org/officeDocument/2006/customXml" ds:itemID="{3834EEC2-295B-443A-8029-DF87F749AE1B}">
+<ds:datastoreItem xmlns:ds="http://schemas.openxmlformats.org/officeDocument/2006/customXml" ds:itemID="{A76FA841-F04D-4D27-A487-F98BD028EA91}">
   <ds:schemaRefs>
-    <ds:schemaRef ds:uri="3fb8dc1b-9d59-4105-bc07-f1f968f5154f"/>
-    <ds:schemaRef ds:uri="5b6c06b5-1db8-4c81-aedd-b1bde2b8bfd2"/>
-    <ds:schemaRef ds:uri="http://purl.org/dc/dcmitype/"/>
-    <ds:schemaRef ds:uri="http://purl.org/dc/elements/1.1/"/>
-    <ds:schemaRef ds:uri="http://purl.org/dc/terms/"/>
-    <ds:schemaRef ds:uri="http://schemas.microsoft.com/office/2006/documentManagement/types"/>
-    <ds:schemaRef ds:uri="http://schemas.microsoft.com/office/2006/metadata/properties"/>
-    <ds:schemaRef ds:uri="http://schemas.microsoft.com/office/infopath/2007/PartnerControls"/>
-    <ds:schemaRef ds:uri="http://schemas.openxmlformats.org/package/2006/metadata/core-properties"/>
-    <ds:schemaRef ds:uri="http://www.w3.org/XML/1998/namespace"/>
+    <ds:schemaRef ds:uri="http://schemas.microsoft.com/sharepoint/v3/contenttype/forms"/>
   </ds:schemaRefs>
 </ds:datastoreItem>
 </file>